--- a/bysj/开题报告画图.pptx
+++ b/bysj/开题报告画图.pptx
@@ -266,7 +266,7 @@
           <a:p>
             <a:fld id="{515C77EF-4043-4D94-93F1-6AF3EC61D3FA}" type="datetimeFigureOut">
               <a:rPr lang="zh-SG" altLang="en-US" smtClean="0"/>
-              <a:t>11/12/2025</a:t>
+              <a:t>12/12/2025</a:t>
             </a:fld>
             <a:endParaRPr lang="zh-SG" altLang="en-US"/>
           </a:p>
@@ -466,7 +466,7 @@
           <a:p>
             <a:fld id="{515C77EF-4043-4D94-93F1-6AF3EC61D3FA}" type="datetimeFigureOut">
               <a:rPr lang="zh-SG" altLang="en-US" smtClean="0"/>
-              <a:t>11/12/2025</a:t>
+              <a:t>12/12/2025</a:t>
             </a:fld>
             <a:endParaRPr lang="zh-SG" altLang="en-US"/>
           </a:p>
@@ -676,7 +676,7 @@
           <a:p>
             <a:fld id="{515C77EF-4043-4D94-93F1-6AF3EC61D3FA}" type="datetimeFigureOut">
               <a:rPr lang="zh-SG" altLang="en-US" smtClean="0"/>
-              <a:t>11/12/2025</a:t>
+              <a:t>12/12/2025</a:t>
             </a:fld>
             <a:endParaRPr lang="zh-SG" altLang="en-US"/>
           </a:p>
@@ -876,7 +876,7 @@
           <a:p>
             <a:fld id="{515C77EF-4043-4D94-93F1-6AF3EC61D3FA}" type="datetimeFigureOut">
               <a:rPr lang="zh-SG" altLang="en-US" smtClean="0"/>
-              <a:t>11/12/2025</a:t>
+              <a:t>12/12/2025</a:t>
             </a:fld>
             <a:endParaRPr lang="zh-SG" altLang="en-US"/>
           </a:p>
@@ -1152,7 +1152,7 @@
           <a:p>
             <a:fld id="{515C77EF-4043-4D94-93F1-6AF3EC61D3FA}" type="datetimeFigureOut">
               <a:rPr lang="zh-SG" altLang="en-US" smtClean="0"/>
-              <a:t>11/12/2025</a:t>
+              <a:t>12/12/2025</a:t>
             </a:fld>
             <a:endParaRPr lang="zh-SG" altLang="en-US"/>
           </a:p>
@@ -1420,7 +1420,7 @@
           <a:p>
             <a:fld id="{515C77EF-4043-4D94-93F1-6AF3EC61D3FA}" type="datetimeFigureOut">
               <a:rPr lang="zh-SG" altLang="en-US" smtClean="0"/>
-              <a:t>11/12/2025</a:t>
+              <a:t>12/12/2025</a:t>
             </a:fld>
             <a:endParaRPr lang="zh-SG" altLang="en-US"/>
           </a:p>
@@ -1835,7 +1835,7 @@
           <a:p>
             <a:fld id="{515C77EF-4043-4D94-93F1-6AF3EC61D3FA}" type="datetimeFigureOut">
               <a:rPr lang="zh-SG" altLang="en-US" smtClean="0"/>
-              <a:t>11/12/2025</a:t>
+              <a:t>12/12/2025</a:t>
             </a:fld>
             <a:endParaRPr lang="zh-SG" altLang="en-US"/>
           </a:p>
@@ -1977,7 +1977,7 @@
           <a:p>
             <a:fld id="{515C77EF-4043-4D94-93F1-6AF3EC61D3FA}" type="datetimeFigureOut">
               <a:rPr lang="zh-SG" altLang="en-US" smtClean="0"/>
-              <a:t>11/12/2025</a:t>
+              <a:t>12/12/2025</a:t>
             </a:fld>
             <a:endParaRPr lang="zh-SG" altLang="en-US"/>
           </a:p>
@@ -2090,7 +2090,7 @@
           <a:p>
             <a:fld id="{515C77EF-4043-4D94-93F1-6AF3EC61D3FA}" type="datetimeFigureOut">
               <a:rPr lang="zh-SG" altLang="en-US" smtClean="0"/>
-              <a:t>11/12/2025</a:t>
+              <a:t>12/12/2025</a:t>
             </a:fld>
             <a:endParaRPr lang="zh-SG" altLang="en-US"/>
           </a:p>
@@ -2403,7 +2403,7 @@
           <a:p>
             <a:fld id="{515C77EF-4043-4D94-93F1-6AF3EC61D3FA}" type="datetimeFigureOut">
               <a:rPr lang="zh-SG" altLang="en-US" smtClean="0"/>
-              <a:t>11/12/2025</a:t>
+              <a:t>12/12/2025</a:t>
             </a:fld>
             <a:endParaRPr lang="zh-SG" altLang="en-US"/>
           </a:p>
@@ -2692,7 +2692,7 @@
           <a:p>
             <a:fld id="{515C77EF-4043-4D94-93F1-6AF3EC61D3FA}" type="datetimeFigureOut">
               <a:rPr lang="zh-SG" altLang="en-US" smtClean="0"/>
-              <a:t>11/12/2025</a:t>
+              <a:t>12/12/2025</a:t>
             </a:fld>
             <a:endParaRPr lang="zh-SG" altLang="en-US"/>
           </a:p>
@@ -2935,7 +2935,7 @@
           <a:p>
             <a:fld id="{515C77EF-4043-4D94-93F1-6AF3EC61D3FA}" type="datetimeFigureOut">
               <a:rPr lang="zh-SG" altLang="en-US" smtClean="0"/>
-              <a:t>11/12/2025</a:t>
+              <a:t>12/12/2025</a:t>
             </a:fld>
             <a:endParaRPr lang="zh-SG" altLang="en-US"/>
           </a:p>
@@ -4306,25 +4306,38 @@
           <a:p>
             <a:pPr algn="ctr"/>
             <a:r>
-              <a:rPr lang="zh-CN" altLang="en-US" dirty="0"/>
+              <a:rPr lang="zh-CN" altLang="en-US" sz="1400" dirty="0"/>
               <a:t>多层次控制中模型输出的</a:t>
             </a:r>
             <a:r>
-              <a:rPr lang="zh-CN" altLang="en-US" b="1" dirty="0">
+              <a:rPr lang="zh-CN" altLang="en-US" sz="1400" b="1" dirty="0">
                 <a:solidFill>
                   <a:srgbClr val="507F78"/>
                 </a:solidFill>
               </a:rPr>
-              <a:t>可执行性</a:t>
-            </a:r>
-            <a:endParaRPr lang="zh-CN" altLang="en-US" sz="2400" b="1" dirty="0">
-              <a:solidFill>
-                <a:srgbClr val="507F78"/>
-              </a:solidFill>
-              <a:latin typeface="Arial" panose="020B0604020202020204" pitchFamily="34" charset="0"/>
-              <a:ea typeface="微软雅黑" panose="020B0503020204020204" pitchFamily="34" charset="-122"/>
-              <a:sym typeface="Arial" panose="020B0604020202020204" pitchFamily="34" charset="0"/>
-            </a:endParaRPr>
+              <a:t>可执行性 </a:t>
+            </a:r>
+            <a:r>
+              <a:rPr lang="en-US" altLang="zh-CN" sz="1400" b="1" dirty="0">
+                <a:solidFill>
+                  <a:srgbClr val="507F78"/>
+                </a:solidFill>
+              </a:rPr>
+              <a:t>            </a:t>
+            </a:r>
+            <a:r>
+              <a:rPr lang="zh-CN" altLang="en-US" sz="1400" b="1" dirty="0">
+                <a:solidFill>
+                  <a:srgbClr val="507F78"/>
+                </a:solidFill>
+              </a:rPr>
+              <a:t>通用模型</a:t>
+            </a:r>
+            <a:r>
+              <a:rPr lang="zh-CN" altLang="en-US" sz="1400" dirty="0"/>
+              <a:t>处理指定具身任务的能力</a:t>
+            </a:r>
+            <a:endParaRPr lang="en-US" altLang="zh-CN" sz="1400" dirty="0"/>
           </a:p>
         </p:txBody>
       </p:sp>
